--- a/SlideThuyetTrinh.pptx
+++ b/SlideThuyetTrinh.pptx
@@ -8188,21 +8188,19 @@
       <p:grpSpPr/>
       <p:graphicFrame>
         <p:nvGraphicFramePr>
-          <p:cNvPr id="2" name="Picture Placeholder 1"/>
+          <p:cNvPr id="7" name="Object 6"/>
           <p:cNvGraphicFramePr/>
-          <p:nvPr>
-            <p:ph type="pic" sz="quarter" idx="14"/>
-          </p:nvPr>
+          <p:nvPr/>
         </p:nvGraphicFramePr>
         <p:xfrm>
-          <a:off x="-16510" y="-36195"/>
-          <a:ext cx="12198985" cy="6907530"/>
+          <a:off x="8890" y="-48895"/>
+          <a:ext cx="12181840" cy="6955155"/>
         </p:xfrm>
         <a:graphic>
           <a:graphicData uri="http://schemas.openxmlformats.org/presentationml/2006/ole">
             <mc:AlternateContent xmlns:mc="http://schemas.openxmlformats.org/markup-compatibility/2006">
               <mc:Choice xmlns:v="urn:schemas-microsoft-com:vml" Requires="v">
-                <p:oleObj spid="_x0000_s3" name="" r:id="rId1" imgW="9837420" imgH="5334000" progId="Paint.Picture">
+                <p:oleObj spid="_x0000_s8" name="" r:id="rId1" imgW="9837420" imgH="5334000" progId="Paint.Picture">
                   <p:embed/>
                 </p:oleObj>
               </mc:Choice>
@@ -8211,7 +8209,7 @@
                   <p:embed/>
                   <p:pic>
                     <p:nvPicPr>
-                      <p:cNvPr id="0" name="Picture 2"/>
+                      <p:cNvPr id="0" name="Picture 7"/>
                       <p:cNvPicPr/>
                       <p:nvPr/>
                     </p:nvPicPr>
@@ -8223,8 +8221,8 @@
                     </p:blipFill>
                     <p:spPr>
                       <a:xfrm>
-                        <a:off x="-16510" y="-36195"/>
-                        <a:ext cx="12198985" cy="6907530"/>
+                        <a:off x="8890" y="-48895"/>
+                        <a:ext cx="12181840" cy="6955155"/>
                       </a:xfrm>
                       <a:prstGeom prst="rect">
                         <a:avLst/>
@@ -8245,7 +8243,7 @@
         </p:nvSpPr>
         <p:spPr>
           <a:xfrm>
-            <a:off x="7329170" y="5425440"/>
+            <a:off x="7484110" y="5109845"/>
             <a:ext cx="4853305" cy="1297305"/>
           </a:xfrm>
           <a:prstGeom prst="rect">
@@ -8306,6 +8304,53 @@
       </p:sp>
       <p:sp>
         <p:nvSpPr>
+          <p:cNvPr id="20" name="Text Box 19"/>
+          <p:cNvSpPr txBox="1"/>
+          <p:nvPr/>
+        </p:nvSpPr>
+        <p:spPr>
+          <a:xfrm>
+            <a:off x="9573895" y="97155"/>
+            <a:ext cx="2489835" cy="583565"/>
+          </a:xfrm>
+          <a:prstGeom prst="rect">
+            <a:avLst/>
+          </a:prstGeom>
+          <a:noFill/>
+        </p:spPr>
+        <p:txBody>
+          <a:bodyPr wrap="square" rtlCol="0" anchor="t">
+            <a:spAutoFit/>
+          </a:bodyPr>
+          <a:p>
+            <a:r>
+              <a:rPr lang="en-US" sz="3200" b="1">
+                <a:solidFill>
+                  <a:srgbClr val="FF0000"/>
+                </a:solidFill>
+                <a:latin typeface="Rubik Medium" panose="02000604000000020004" charset="0"/>
+                <a:cs typeface="Rubik Medium" panose="02000604000000020004" charset="0"/>
+                <a:sym typeface="+mn-ea"/>
+              </a:rPr>
+              <a:t>II - </a:t>
+            </a:r>
+            <a:r>
+              <a:rPr lang="en-US" sz="3200">
+                <a:solidFill>
+                  <a:srgbClr val="FF0000"/>
+                </a:solidFill>
+                <a:latin typeface="Rubik Medium" panose="02000604000000020004" charset="0"/>
+                <a:cs typeface="Rubik Medium" panose="02000604000000020004" charset="0"/>
+                <a:sym typeface="+mn-ea"/>
+              </a:rPr>
+              <a:t> System</a:t>
+            </a:r>
+            <a:endParaRPr lang="en-US" sz="3200" b="1"/>
+          </a:p>
+        </p:txBody>
+      </p:sp>
+      <p:sp>
+        <p:nvSpPr>
           <p:cNvPr id="5" name="Text Box 4"/>
           <p:cNvSpPr txBox="1"/>
           <p:nvPr/>
@@ -8345,53 +8390,6 @@
           </a:p>
         </p:txBody>
       </p:sp>
-      <p:sp>
-        <p:nvSpPr>
-          <p:cNvPr id="20" name="Text Box 19"/>
-          <p:cNvSpPr txBox="1"/>
-          <p:nvPr/>
-        </p:nvSpPr>
-        <p:spPr>
-          <a:xfrm>
-            <a:off x="9573895" y="108585"/>
-            <a:ext cx="2489835" cy="583565"/>
-          </a:xfrm>
-          <a:prstGeom prst="rect">
-            <a:avLst/>
-          </a:prstGeom>
-          <a:noFill/>
-        </p:spPr>
-        <p:txBody>
-          <a:bodyPr wrap="square" rtlCol="0" anchor="t">
-            <a:spAutoFit/>
-          </a:bodyPr>
-          <a:p>
-            <a:r>
-              <a:rPr lang="en-US" sz="3200" b="1">
-                <a:solidFill>
-                  <a:srgbClr val="FF0000"/>
-                </a:solidFill>
-                <a:latin typeface="Rubik Medium" panose="02000604000000020004" charset="0"/>
-                <a:cs typeface="Rubik Medium" panose="02000604000000020004" charset="0"/>
-                <a:sym typeface="+mn-ea"/>
-              </a:rPr>
-              <a:t>II - </a:t>
-            </a:r>
-            <a:r>
-              <a:rPr lang="en-US" sz="3200">
-                <a:solidFill>
-                  <a:srgbClr val="FF0000"/>
-                </a:solidFill>
-                <a:latin typeface="Rubik Medium" panose="02000604000000020004" charset="0"/>
-                <a:cs typeface="Rubik Medium" panose="02000604000000020004" charset="0"/>
-                <a:sym typeface="+mn-ea"/>
-              </a:rPr>
-              <a:t> System</a:t>
-            </a:r>
-            <a:endParaRPr lang="en-US" sz="3200" b="1"/>
-          </a:p>
-        </p:txBody>
-      </p:sp>
     </p:spTree>
   </p:cSld>
   <p:clrMapOvr>
@@ -8422,7 +8420,7 @@
           </p:nvPr>
         </p:nvGraphicFramePr>
         <p:xfrm>
-          <a:off x="953135" y="8890"/>
+          <a:off x="953135" y="-66040"/>
           <a:ext cx="7346315" cy="6990715"/>
         </p:xfrm>
         <a:graphic>
@@ -8450,7 +8448,7 @@
                     </p:blipFill>
                     <p:spPr>
                       <a:xfrm>
-                        <a:off x="953135" y="8890"/>
+                        <a:off x="953135" y="-66040"/>
                         <a:ext cx="7346315" cy="6990715"/>
                       </a:xfrm>
                       <a:prstGeom prst="rect">

--- a/SlideThuyetTrinh.pptx
+++ b/SlideThuyetTrinh.pptx
@@ -7053,7 +7053,7 @@
                 <a:ea typeface="Lato Light" panose="020F0502020204030203" pitchFamily="34" charset="0"/>
                 <a:cs typeface="Segoe UI" panose="020B0502040204020203" charset="0"/>
               </a:rPr>
-              <a:t> TS. HOÀNG LONG</a:t>
+              <a:t> ThS. Trần Công Tú</a:t>
             </a:r>
             <a:endParaRPr lang="en-US" altLang="es-ES_tradnl" sz="2200" dirty="0">
               <a:solidFill>
@@ -7125,7 +7125,7 @@
                 <a:ea typeface="Lato Light" panose="020F0502020204030203" pitchFamily="34" charset="0"/>
                 <a:cs typeface="Segoe UI" panose="020B0502040204020203" charset="0"/>
               </a:rPr>
-              <a:t>Phan Thị Ngọc Tuyền 17110248</a:t>
+              <a:t>Nguyễn Trần Thanh Trúc 17110245</a:t>
             </a:r>
             <a:endParaRPr lang="en-US" altLang="es-ES_tradnl" sz="2200" dirty="0">
               <a:solidFill>
